--- a/ppt 16-9/0457.请差遣我.pptx
+++ b/ppt 16-9/0457.请差遣我.pptx
@@ -129,7 +129,7 @@
           <p:cNvPr id="2" name="标题 1">
             <a:extLst>
               <a:ext uri="{FF2B5EF4-FFF2-40B4-BE49-F238E27FC236}">
-                <a16:creationId xmlns:a16="http://schemas.microsoft.com/office/drawing/2014/main" id="{27989234-7560-481B-EC65-0D299883E1E6}"/>
+                <a16:creationId xmlns:a16="http://schemas.microsoft.com/office/drawing/2014/main" id="{EF61B048-28C4-8A0A-76D3-28B3369C8D83}"/>
               </a:ext>
             </a:extLst>
           </p:cNvPr>
@@ -166,7 +166,7 @@
           <p:cNvPr id="3" name="副标题 2">
             <a:extLst>
               <a:ext uri="{FF2B5EF4-FFF2-40B4-BE49-F238E27FC236}">
-                <a16:creationId xmlns:a16="http://schemas.microsoft.com/office/drawing/2014/main" id="{912C1587-F7B1-5F3E-DA12-45C650FB4C54}"/>
+                <a16:creationId xmlns:a16="http://schemas.microsoft.com/office/drawing/2014/main" id="{897B0174-CA80-4F46-598A-82E192E7224B}"/>
               </a:ext>
             </a:extLst>
           </p:cNvPr>
@@ -236,7 +236,7 @@
           <p:cNvPr id="4" name="日期占位符 3">
             <a:extLst>
               <a:ext uri="{FF2B5EF4-FFF2-40B4-BE49-F238E27FC236}">
-                <a16:creationId xmlns:a16="http://schemas.microsoft.com/office/drawing/2014/main" id="{2853BB7E-60E3-CC72-8E74-1643FE92EB14}"/>
+                <a16:creationId xmlns:a16="http://schemas.microsoft.com/office/drawing/2014/main" id="{2A60B22B-6B28-DC22-E716-CA3D3BCCB29F}"/>
               </a:ext>
             </a:extLst>
           </p:cNvPr>
@@ -252,7 +252,7 @@
           <a:bodyPr/>
           <a:lstStyle/>
           <a:p>
-            <a:fld id="{4AA097FF-82B4-4DC9-9BD4-9154BC162B52}" type="datetimeFigureOut">
+            <a:fld id="{BB652005-8E28-4663-A6D3-079E517F603F}" type="datetimeFigureOut">
               <a:rPr lang="zh-CN" altLang="en-US" smtClean="0"/>
               <a:t>2024/3/10</a:t>
             </a:fld>
@@ -265,7 +265,7 @@
           <p:cNvPr id="5" name="页脚占位符 4">
             <a:extLst>
               <a:ext uri="{FF2B5EF4-FFF2-40B4-BE49-F238E27FC236}">
-                <a16:creationId xmlns:a16="http://schemas.microsoft.com/office/drawing/2014/main" id="{312F332D-5A3D-E568-FCC5-1DDD9C78EC4C}"/>
+                <a16:creationId xmlns:a16="http://schemas.microsoft.com/office/drawing/2014/main" id="{A31AC578-CC61-CFCB-43D2-13282EEAF3AC}"/>
               </a:ext>
             </a:extLst>
           </p:cNvPr>
@@ -290,7 +290,7 @@
           <p:cNvPr id="6" name="灯片编号占位符 5">
             <a:extLst>
               <a:ext uri="{FF2B5EF4-FFF2-40B4-BE49-F238E27FC236}">
-                <a16:creationId xmlns:a16="http://schemas.microsoft.com/office/drawing/2014/main" id="{D1E10F91-513B-7FBB-F708-A0C2E52E3E2B}"/>
+                <a16:creationId xmlns:a16="http://schemas.microsoft.com/office/drawing/2014/main" id="{F49FF39C-6435-DA73-FFD9-C2CC37F90717}"/>
               </a:ext>
             </a:extLst>
           </p:cNvPr>
@@ -306,7 +306,7 @@
           <a:bodyPr/>
           <a:lstStyle/>
           <a:p>
-            <a:fld id="{84F01B6B-0960-4A95-9870-E0E62FC1EF84}" type="slidenum">
+            <a:fld id="{C4D63772-1375-41FF-B306-691F44F3764E}" type="slidenum">
               <a:rPr lang="zh-CN" altLang="en-US" smtClean="0"/>
               <a:t>‹#›</a:t>
             </a:fld>
@@ -317,7 +317,7 @@
     </p:spTree>
     <p:extLst>
       <p:ext uri="{BB962C8B-B14F-4D97-AF65-F5344CB8AC3E}">
-        <p14:creationId xmlns:p14="http://schemas.microsoft.com/office/powerpoint/2010/main" val="779050279"/>
+        <p14:creationId xmlns:p14="http://schemas.microsoft.com/office/powerpoint/2010/main" val="721831306"/>
       </p:ext>
     </p:extLst>
   </p:cSld>
@@ -349,7 +349,7 @@
           <p:cNvPr id="2" name="标题 1">
             <a:extLst>
               <a:ext uri="{FF2B5EF4-FFF2-40B4-BE49-F238E27FC236}">
-                <a16:creationId xmlns:a16="http://schemas.microsoft.com/office/drawing/2014/main" id="{BD6A7EDD-EFB9-68D3-CF73-60BB98F01228}"/>
+                <a16:creationId xmlns:a16="http://schemas.microsoft.com/office/drawing/2014/main" id="{7FEADB3C-815F-EECF-4AA4-9B27C861011A}"/>
               </a:ext>
             </a:extLst>
           </p:cNvPr>
@@ -377,7 +377,7 @@
           <p:cNvPr id="3" name="竖排文字占位符 2">
             <a:extLst>
               <a:ext uri="{FF2B5EF4-FFF2-40B4-BE49-F238E27FC236}">
-                <a16:creationId xmlns:a16="http://schemas.microsoft.com/office/drawing/2014/main" id="{A59697FF-0054-DAF2-6C08-E594223F2BCE}"/>
+                <a16:creationId xmlns:a16="http://schemas.microsoft.com/office/drawing/2014/main" id="{218DFB37-AAE2-4550-B187-0B851A974DC7}"/>
               </a:ext>
             </a:extLst>
           </p:cNvPr>
@@ -434,7 +434,7 @@
           <p:cNvPr id="4" name="日期占位符 3">
             <a:extLst>
               <a:ext uri="{FF2B5EF4-FFF2-40B4-BE49-F238E27FC236}">
-                <a16:creationId xmlns:a16="http://schemas.microsoft.com/office/drawing/2014/main" id="{6F412A13-D20E-5866-6DC2-22E0CC079B84}"/>
+                <a16:creationId xmlns:a16="http://schemas.microsoft.com/office/drawing/2014/main" id="{86C994C5-C28B-3E92-EA15-7D36BB0080B2}"/>
               </a:ext>
             </a:extLst>
           </p:cNvPr>
@@ -450,7 +450,7 @@
           <a:bodyPr/>
           <a:lstStyle/>
           <a:p>
-            <a:fld id="{4AA097FF-82B4-4DC9-9BD4-9154BC162B52}" type="datetimeFigureOut">
+            <a:fld id="{BB652005-8E28-4663-A6D3-079E517F603F}" type="datetimeFigureOut">
               <a:rPr lang="zh-CN" altLang="en-US" smtClean="0"/>
               <a:t>2024/3/10</a:t>
             </a:fld>
@@ -463,7 +463,7 @@
           <p:cNvPr id="5" name="页脚占位符 4">
             <a:extLst>
               <a:ext uri="{FF2B5EF4-FFF2-40B4-BE49-F238E27FC236}">
-                <a16:creationId xmlns:a16="http://schemas.microsoft.com/office/drawing/2014/main" id="{3D0BC731-4003-6AF9-E002-6464532563A5}"/>
+                <a16:creationId xmlns:a16="http://schemas.microsoft.com/office/drawing/2014/main" id="{CD3365CD-AAC3-C579-A2E3-8556BB59E1CB}"/>
               </a:ext>
             </a:extLst>
           </p:cNvPr>
@@ -488,7 +488,7 @@
           <p:cNvPr id="6" name="灯片编号占位符 5">
             <a:extLst>
               <a:ext uri="{FF2B5EF4-FFF2-40B4-BE49-F238E27FC236}">
-                <a16:creationId xmlns:a16="http://schemas.microsoft.com/office/drawing/2014/main" id="{D91E2936-E780-84BF-5C7A-AA7518126C83}"/>
+                <a16:creationId xmlns:a16="http://schemas.microsoft.com/office/drawing/2014/main" id="{EFD18E83-A84B-5BD3-EF65-28608A04D3B3}"/>
               </a:ext>
             </a:extLst>
           </p:cNvPr>
@@ -504,7 +504,7 @@
           <a:bodyPr/>
           <a:lstStyle/>
           <a:p>
-            <a:fld id="{84F01B6B-0960-4A95-9870-E0E62FC1EF84}" type="slidenum">
+            <a:fld id="{C4D63772-1375-41FF-B306-691F44F3764E}" type="slidenum">
               <a:rPr lang="zh-CN" altLang="en-US" smtClean="0"/>
               <a:t>‹#›</a:t>
             </a:fld>
@@ -515,7 +515,7 @@
     </p:spTree>
     <p:extLst>
       <p:ext uri="{BB962C8B-B14F-4D97-AF65-F5344CB8AC3E}">
-        <p14:creationId xmlns:p14="http://schemas.microsoft.com/office/powerpoint/2010/main" val="2349038886"/>
+        <p14:creationId xmlns:p14="http://schemas.microsoft.com/office/powerpoint/2010/main" val="3859696340"/>
       </p:ext>
     </p:extLst>
   </p:cSld>
@@ -547,7 +547,7 @@
           <p:cNvPr id="2" name="竖排标题 1">
             <a:extLst>
               <a:ext uri="{FF2B5EF4-FFF2-40B4-BE49-F238E27FC236}">
-                <a16:creationId xmlns:a16="http://schemas.microsoft.com/office/drawing/2014/main" id="{16E8F134-C6E6-5D1A-971B-EFB770E17466}"/>
+                <a16:creationId xmlns:a16="http://schemas.microsoft.com/office/drawing/2014/main" id="{4C448A38-1F50-92D5-A545-E66743678FF0}"/>
               </a:ext>
             </a:extLst>
           </p:cNvPr>
@@ -580,7 +580,7 @@
           <p:cNvPr id="3" name="竖排文字占位符 2">
             <a:extLst>
               <a:ext uri="{FF2B5EF4-FFF2-40B4-BE49-F238E27FC236}">
-                <a16:creationId xmlns:a16="http://schemas.microsoft.com/office/drawing/2014/main" id="{B8FE8F13-E2E7-7BC3-BBEB-99482EF86BCC}"/>
+                <a16:creationId xmlns:a16="http://schemas.microsoft.com/office/drawing/2014/main" id="{73B3F4F6-B362-A709-4371-9CDE48AF24EE}"/>
               </a:ext>
             </a:extLst>
           </p:cNvPr>
@@ -642,7 +642,7 @@
           <p:cNvPr id="4" name="日期占位符 3">
             <a:extLst>
               <a:ext uri="{FF2B5EF4-FFF2-40B4-BE49-F238E27FC236}">
-                <a16:creationId xmlns:a16="http://schemas.microsoft.com/office/drawing/2014/main" id="{41D769F7-FD14-0FB6-C146-FE52CD97C4AC}"/>
+                <a16:creationId xmlns:a16="http://schemas.microsoft.com/office/drawing/2014/main" id="{58AEC06B-C241-0B62-1C68-5F6F91D7B509}"/>
               </a:ext>
             </a:extLst>
           </p:cNvPr>
@@ -658,7 +658,7 @@
           <a:bodyPr/>
           <a:lstStyle/>
           <a:p>
-            <a:fld id="{4AA097FF-82B4-4DC9-9BD4-9154BC162B52}" type="datetimeFigureOut">
+            <a:fld id="{BB652005-8E28-4663-A6D3-079E517F603F}" type="datetimeFigureOut">
               <a:rPr lang="zh-CN" altLang="en-US" smtClean="0"/>
               <a:t>2024/3/10</a:t>
             </a:fld>
@@ -671,7 +671,7 @@
           <p:cNvPr id="5" name="页脚占位符 4">
             <a:extLst>
               <a:ext uri="{FF2B5EF4-FFF2-40B4-BE49-F238E27FC236}">
-                <a16:creationId xmlns:a16="http://schemas.microsoft.com/office/drawing/2014/main" id="{CC9C3AFE-1683-7BDA-09B9-F128A4B2D627}"/>
+                <a16:creationId xmlns:a16="http://schemas.microsoft.com/office/drawing/2014/main" id="{D3EF7E62-82AA-5DEC-32DD-B5C0F363ED55}"/>
               </a:ext>
             </a:extLst>
           </p:cNvPr>
@@ -696,7 +696,7 @@
           <p:cNvPr id="6" name="灯片编号占位符 5">
             <a:extLst>
               <a:ext uri="{FF2B5EF4-FFF2-40B4-BE49-F238E27FC236}">
-                <a16:creationId xmlns:a16="http://schemas.microsoft.com/office/drawing/2014/main" id="{5DF63CB6-6451-0969-8B21-88AFF29DFE91}"/>
+                <a16:creationId xmlns:a16="http://schemas.microsoft.com/office/drawing/2014/main" id="{787C009D-3841-B4CB-E545-50C1E8B3CB14}"/>
               </a:ext>
             </a:extLst>
           </p:cNvPr>
@@ -712,7 +712,7 @@
           <a:bodyPr/>
           <a:lstStyle/>
           <a:p>
-            <a:fld id="{84F01B6B-0960-4A95-9870-E0E62FC1EF84}" type="slidenum">
+            <a:fld id="{C4D63772-1375-41FF-B306-691F44F3764E}" type="slidenum">
               <a:rPr lang="zh-CN" altLang="en-US" smtClean="0"/>
               <a:t>‹#›</a:t>
             </a:fld>
@@ -723,7 +723,7 @@
     </p:spTree>
     <p:extLst>
       <p:ext uri="{BB962C8B-B14F-4D97-AF65-F5344CB8AC3E}">
-        <p14:creationId xmlns:p14="http://schemas.microsoft.com/office/powerpoint/2010/main" val="1493547364"/>
+        <p14:creationId xmlns:p14="http://schemas.microsoft.com/office/powerpoint/2010/main" val="3957812553"/>
       </p:ext>
     </p:extLst>
   </p:cSld>
@@ -755,7 +755,7 @@
           <p:cNvPr id="2" name="标题 1">
             <a:extLst>
               <a:ext uri="{FF2B5EF4-FFF2-40B4-BE49-F238E27FC236}">
-                <a16:creationId xmlns:a16="http://schemas.microsoft.com/office/drawing/2014/main" id="{6AE97BDD-527F-325D-C087-22E9CF9AD1AE}"/>
+                <a16:creationId xmlns:a16="http://schemas.microsoft.com/office/drawing/2014/main" id="{DDFCDCF7-3058-25F8-E24D-4028D4FFF631}"/>
               </a:ext>
             </a:extLst>
           </p:cNvPr>
@@ -783,7 +783,7 @@
           <p:cNvPr id="3" name="内容占位符 2">
             <a:extLst>
               <a:ext uri="{FF2B5EF4-FFF2-40B4-BE49-F238E27FC236}">
-                <a16:creationId xmlns:a16="http://schemas.microsoft.com/office/drawing/2014/main" id="{89D4445A-8C23-4419-C115-B9206059B7FC}"/>
+                <a16:creationId xmlns:a16="http://schemas.microsoft.com/office/drawing/2014/main" id="{3DECFB18-617F-CDFA-2680-562CBC77E2C8}"/>
               </a:ext>
             </a:extLst>
           </p:cNvPr>
@@ -840,7 +840,7 @@
           <p:cNvPr id="4" name="日期占位符 3">
             <a:extLst>
               <a:ext uri="{FF2B5EF4-FFF2-40B4-BE49-F238E27FC236}">
-                <a16:creationId xmlns:a16="http://schemas.microsoft.com/office/drawing/2014/main" id="{26CB45D9-6724-8A92-2C49-587078C14A1B}"/>
+                <a16:creationId xmlns:a16="http://schemas.microsoft.com/office/drawing/2014/main" id="{BEC6AB63-AE74-63DD-A03A-AD50069D28F5}"/>
               </a:ext>
             </a:extLst>
           </p:cNvPr>
@@ -856,7 +856,7 @@
           <a:bodyPr/>
           <a:lstStyle/>
           <a:p>
-            <a:fld id="{4AA097FF-82B4-4DC9-9BD4-9154BC162B52}" type="datetimeFigureOut">
+            <a:fld id="{BB652005-8E28-4663-A6D3-079E517F603F}" type="datetimeFigureOut">
               <a:rPr lang="zh-CN" altLang="en-US" smtClean="0"/>
               <a:t>2024/3/10</a:t>
             </a:fld>
@@ -869,7 +869,7 @@
           <p:cNvPr id="5" name="页脚占位符 4">
             <a:extLst>
               <a:ext uri="{FF2B5EF4-FFF2-40B4-BE49-F238E27FC236}">
-                <a16:creationId xmlns:a16="http://schemas.microsoft.com/office/drawing/2014/main" id="{351A9B50-EB47-3153-664A-6C9B79B0DF84}"/>
+                <a16:creationId xmlns:a16="http://schemas.microsoft.com/office/drawing/2014/main" id="{AF3AA059-75A9-FC48-6B43-63E1D1905DE4}"/>
               </a:ext>
             </a:extLst>
           </p:cNvPr>
@@ -894,7 +894,7 @@
           <p:cNvPr id="6" name="灯片编号占位符 5">
             <a:extLst>
               <a:ext uri="{FF2B5EF4-FFF2-40B4-BE49-F238E27FC236}">
-                <a16:creationId xmlns:a16="http://schemas.microsoft.com/office/drawing/2014/main" id="{5242CC19-94E5-BB6B-3FE8-18177E5E458E}"/>
+                <a16:creationId xmlns:a16="http://schemas.microsoft.com/office/drawing/2014/main" id="{1CFA32F2-BB8F-4A4E-8517-328C9349FB26}"/>
               </a:ext>
             </a:extLst>
           </p:cNvPr>
@@ -910,7 +910,7 @@
           <a:bodyPr/>
           <a:lstStyle/>
           <a:p>
-            <a:fld id="{84F01B6B-0960-4A95-9870-E0E62FC1EF84}" type="slidenum">
+            <a:fld id="{C4D63772-1375-41FF-B306-691F44F3764E}" type="slidenum">
               <a:rPr lang="zh-CN" altLang="en-US" smtClean="0"/>
               <a:t>‹#›</a:t>
             </a:fld>
@@ -921,7 +921,7 @@
     </p:spTree>
     <p:extLst>
       <p:ext uri="{BB962C8B-B14F-4D97-AF65-F5344CB8AC3E}">
-        <p14:creationId xmlns:p14="http://schemas.microsoft.com/office/powerpoint/2010/main" val="3402589971"/>
+        <p14:creationId xmlns:p14="http://schemas.microsoft.com/office/powerpoint/2010/main" val="1750427113"/>
       </p:ext>
     </p:extLst>
   </p:cSld>
@@ -953,7 +953,7 @@
           <p:cNvPr id="2" name="标题 1">
             <a:extLst>
               <a:ext uri="{FF2B5EF4-FFF2-40B4-BE49-F238E27FC236}">
-                <a16:creationId xmlns:a16="http://schemas.microsoft.com/office/drawing/2014/main" id="{A56B7FB9-7C11-CA1C-194D-8B394FDE6423}"/>
+                <a16:creationId xmlns:a16="http://schemas.microsoft.com/office/drawing/2014/main" id="{573D8F6D-37FC-A2AF-3D5A-6F0E0E908E5B}"/>
               </a:ext>
             </a:extLst>
           </p:cNvPr>
@@ -990,7 +990,7 @@
           <p:cNvPr id="3" name="文本占位符 2">
             <a:extLst>
               <a:ext uri="{FF2B5EF4-FFF2-40B4-BE49-F238E27FC236}">
-                <a16:creationId xmlns:a16="http://schemas.microsoft.com/office/drawing/2014/main" id="{E9D82E1E-58E6-59E8-F73D-DA0162A56F75}"/>
+                <a16:creationId xmlns:a16="http://schemas.microsoft.com/office/drawing/2014/main" id="{C9156E1C-444D-8083-AACD-3B2FDC8144A6}"/>
               </a:ext>
             </a:extLst>
           </p:cNvPr>
@@ -1115,7 +1115,7 @@
           <p:cNvPr id="4" name="日期占位符 3">
             <a:extLst>
               <a:ext uri="{FF2B5EF4-FFF2-40B4-BE49-F238E27FC236}">
-                <a16:creationId xmlns:a16="http://schemas.microsoft.com/office/drawing/2014/main" id="{7F9663F8-1E1C-A249-7FF9-7A9B401A6815}"/>
+                <a16:creationId xmlns:a16="http://schemas.microsoft.com/office/drawing/2014/main" id="{D30B385A-85A3-099D-2463-414D057E32D6}"/>
               </a:ext>
             </a:extLst>
           </p:cNvPr>
@@ -1131,7 +1131,7 @@
           <a:bodyPr/>
           <a:lstStyle/>
           <a:p>
-            <a:fld id="{4AA097FF-82B4-4DC9-9BD4-9154BC162B52}" type="datetimeFigureOut">
+            <a:fld id="{BB652005-8E28-4663-A6D3-079E517F603F}" type="datetimeFigureOut">
               <a:rPr lang="zh-CN" altLang="en-US" smtClean="0"/>
               <a:t>2024/3/10</a:t>
             </a:fld>
@@ -1144,7 +1144,7 @@
           <p:cNvPr id="5" name="页脚占位符 4">
             <a:extLst>
               <a:ext uri="{FF2B5EF4-FFF2-40B4-BE49-F238E27FC236}">
-                <a16:creationId xmlns:a16="http://schemas.microsoft.com/office/drawing/2014/main" id="{B99A8782-58F7-D9CD-21BC-9D211DC9D226}"/>
+                <a16:creationId xmlns:a16="http://schemas.microsoft.com/office/drawing/2014/main" id="{603B26A6-ADAC-FC5B-119E-4F00ABA07BA1}"/>
               </a:ext>
             </a:extLst>
           </p:cNvPr>
@@ -1169,7 +1169,7 @@
           <p:cNvPr id="6" name="灯片编号占位符 5">
             <a:extLst>
               <a:ext uri="{FF2B5EF4-FFF2-40B4-BE49-F238E27FC236}">
-                <a16:creationId xmlns:a16="http://schemas.microsoft.com/office/drawing/2014/main" id="{03862683-4B47-E8FF-05CF-9EE6FE97FB07}"/>
+                <a16:creationId xmlns:a16="http://schemas.microsoft.com/office/drawing/2014/main" id="{0B5961D6-2D59-8A30-52E4-FBB40EE812C1}"/>
               </a:ext>
             </a:extLst>
           </p:cNvPr>
@@ -1185,7 +1185,7 @@
           <a:bodyPr/>
           <a:lstStyle/>
           <a:p>
-            <a:fld id="{84F01B6B-0960-4A95-9870-E0E62FC1EF84}" type="slidenum">
+            <a:fld id="{C4D63772-1375-41FF-B306-691F44F3764E}" type="slidenum">
               <a:rPr lang="zh-CN" altLang="en-US" smtClean="0"/>
               <a:t>‹#›</a:t>
             </a:fld>
@@ -1196,7 +1196,7 @@
     </p:spTree>
     <p:extLst>
       <p:ext uri="{BB962C8B-B14F-4D97-AF65-F5344CB8AC3E}">
-        <p14:creationId xmlns:p14="http://schemas.microsoft.com/office/powerpoint/2010/main" val="2338362592"/>
+        <p14:creationId xmlns:p14="http://schemas.microsoft.com/office/powerpoint/2010/main" val="2320841365"/>
       </p:ext>
     </p:extLst>
   </p:cSld>
@@ -1228,7 +1228,7 @@
           <p:cNvPr id="2" name="标题 1">
             <a:extLst>
               <a:ext uri="{FF2B5EF4-FFF2-40B4-BE49-F238E27FC236}">
-                <a16:creationId xmlns:a16="http://schemas.microsoft.com/office/drawing/2014/main" id="{C999FD3F-E4AA-7370-66B4-7885F19F2531}"/>
+                <a16:creationId xmlns:a16="http://schemas.microsoft.com/office/drawing/2014/main" id="{0F313A99-79F9-B4A4-1525-A71F0AE0203A}"/>
               </a:ext>
             </a:extLst>
           </p:cNvPr>
@@ -1256,7 +1256,7 @@
           <p:cNvPr id="3" name="内容占位符 2">
             <a:extLst>
               <a:ext uri="{FF2B5EF4-FFF2-40B4-BE49-F238E27FC236}">
-                <a16:creationId xmlns:a16="http://schemas.microsoft.com/office/drawing/2014/main" id="{8C44CAA8-8749-4D75-48F7-AECE6EAF6D20}"/>
+                <a16:creationId xmlns:a16="http://schemas.microsoft.com/office/drawing/2014/main" id="{F0796FD7-C742-13D4-615C-0D4FC30133DF}"/>
               </a:ext>
             </a:extLst>
           </p:cNvPr>
@@ -1318,7 +1318,7 @@
           <p:cNvPr id="4" name="内容占位符 3">
             <a:extLst>
               <a:ext uri="{FF2B5EF4-FFF2-40B4-BE49-F238E27FC236}">
-                <a16:creationId xmlns:a16="http://schemas.microsoft.com/office/drawing/2014/main" id="{5251C7F2-16E2-D12D-7D62-72AB3CB9C43D}"/>
+                <a16:creationId xmlns:a16="http://schemas.microsoft.com/office/drawing/2014/main" id="{A44B1C79-1812-09DE-1F05-F1DB407BD94A}"/>
               </a:ext>
             </a:extLst>
           </p:cNvPr>
@@ -1380,7 +1380,7 @@
           <p:cNvPr id="5" name="日期占位符 4">
             <a:extLst>
               <a:ext uri="{FF2B5EF4-FFF2-40B4-BE49-F238E27FC236}">
-                <a16:creationId xmlns:a16="http://schemas.microsoft.com/office/drawing/2014/main" id="{C2193557-EEEC-7D89-F555-FEFD5B2327FE}"/>
+                <a16:creationId xmlns:a16="http://schemas.microsoft.com/office/drawing/2014/main" id="{E82B7F67-420C-5238-B29C-40666E0ADDA3}"/>
               </a:ext>
             </a:extLst>
           </p:cNvPr>
@@ -1396,7 +1396,7 @@
           <a:bodyPr/>
           <a:lstStyle/>
           <a:p>
-            <a:fld id="{4AA097FF-82B4-4DC9-9BD4-9154BC162B52}" type="datetimeFigureOut">
+            <a:fld id="{BB652005-8E28-4663-A6D3-079E517F603F}" type="datetimeFigureOut">
               <a:rPr lang="zh-CN" altLang="en-US" smtClean="0"/>
               <a:t>2024/3/10</a:t>
             </a:fld>
@@ -1409,7 +1409,7 @@
           <p:cNvPr id="6" name="页脚占位符 5">
             <a:extLst>
               <a:ext uri="{FF2B5EF4-FFF2-40B4-BE49-F238E27FC236}">
-                <a16:creationId xmlns:a16="http://schemas.microsoft.com/office/drawing/2014/main" id="{89854372-EADF-AEC2-AB99-E00EDE7A67E1}"/>
+                <a16:creationId xmlns:a16="http://schemas.microsoft.com/office/drawing/2014/main" id="{3020A46E-93D8-BDAF-19A0-BCB618CB62EA}"/>
               </a:ext>
             </a:extLst>
           </p:cNvPr>
@@ -1434,7 +1434,7 @@
           <p:cNvPr id="7" name="灯片编号占位符 6">
             <a:extLst>
               <a:ext uri="{FF2B5EF4-FFF2-40B4-BE49-F238E27FC236}">
-                <a16:creationId xmlns:a16="http://schemas.microsoft.com/office/drawing/2014/main" id="{708802A4-B354-353D-7DD6-D47E888C7C12}"/>
+                <a16:creationId xmlns:a16="http://schemas.microsoft.com/office/drawing/2014/main" id="{FBA2B80B-18B7-9115-193D-FBA844999120}"/>
               </a:ext>
             </a:extLst>
           </p:cNvPr>
@@ -1450,7 +1450,7 @@
           <a:bodyPr/>
           <a:lstStyle/>
           <a:p>
-            <a:fld id="{84F01B6B-0960-4A95-9870-E0E62FC1EF84}" type="slidenum">
+            <a:fld id="{C4D63772-1375-41FF-B306-691F44F3764E}" type="slidenum">
               <a:rPr lang="zh-CN" altLang="en-US" smtClean="0"/>
               <a:t>‹#›</a:t>
             </a:fld>
@@ -1461,7 +1461,7 @@
     </p:spTree>
     <p:extLst>
       <p:ext uri="{BB962C8B-B14F-4D97-AF65-F5344CB8AC3E}">
-        <p14:creationId xmlns:p14="http://schemas.microsoft.com/office/powerpoint/2010/main" val="2043132714"/>
+        <p14:creationId xmlns:p14="http://schemas.microsoft.com/office/powerpoint/2010/main" val="3592179647"/>
       </p:ext>
     </p:extLst>
   </p:cSld>
@@ -1493,7 +1493,7 @@
           <p:cNvPr id="2" name="标题 1">
             <a:extLst>
               <a:ext uri="{FF2B5EF4-FFF2-40B4-BE49-F238E27FC236}">
-                <a16:creationId xmlns:a16="http://schemas.microsoft.com/office/drawing/2014/main" id="{C9779CEB-5312-5AA4-8582-ADCA023756B3}"/>
+                <a16:creationId xmlns:a16="http://schemas.microsoft.com/office/drawing/2014/main" id="{FCAB5BC8-E656-7E41-BCFB-CCC029966849}"/>
               </a:ext>
             </a:extLst>
           </p:cNvPr>
@@ -1526,7 +1526,7 @@
           <p:cNvPr id="3" name="文本占位符 2">
             <a:extLst>
               <a:ext uri="{FF2B5EF4-FFF2-40B4-BE49-F238E27FC236}">
-                <a16:creationId xmlns:a16="http://schemas.microsoft.com/office/drawing/2014/main" id="{F3FE3819-A641-F417-5603-499BFF1CDED4}"/>
+                <a16:creationId xmlns:a16="http://schemas.microsoft.com/office/drawing/2014/main" id="{D4EA29B7-2088-F99A-90F6-A564D74C53F8}"/>
               </a:ext>
             </a:extLst>
           </p:cNvPr>
@@ -1597,7 +1597,7 @@
           <p:cNvPr id="4" name="内容占位符 3">
             <a:extLst>
               <a:ext uri="{FF2B5EF4-FFF2-40B4-BE49-F238E27FC236}">
-                <a16:creationId xmlns:a16="http://schemas.microsoft.com/office/drawing/2014/main" id="{A6711086-8825-3DEA-5127-F5E8768B4927}"/>
+                <a16:creationId xmlns:a16="http://schemas.microsoft.com/office/drawing/2014/main" id="{A6FF96BB-D154-2E96-F5A3-A31194C02EEE}"/>
               </a:ext>
             </a:extLst>
           </p:cNvPr>
@@ -1659,7 +1659,7 @@
           <p:cNvPr id="5" name="文本占位符 4">
             <a:extLst>
               <a:ext uri="{FF2B5EF4-FFF2-40B4-BE49-F238E27FC236}">
-                <a16:creationId xmlns:a16="http://schemas.microsoft.com/office/drawing/2014/main" id="{92EE8D74-8EE8-B495-11D1-F13CB20A26C0}"/>
+                <a16:creationId xmlns:a16="http://schemas.microsoft.com/office/drawing/2014/main" id="{769AB789-438F-EF32-0E87-96BC3365EF8C}"/>
               </a:ext>
             </a:extLst>
           </p:cNvPr>
@@ -1730,7 +1730,7 @@
           <p:cNvPr id="6" name="内容占位符 5">
             <a:extLst>
               <a:ext uri="{FF2B5EF4-FFF2-40B4-BE49-F238E27FC236}">
-                <a16:creationId xmlns:a16="http://schemas.microsoft.com/office/drawing/2014/main" id="{8ECC4D3E-9A18-16CA-DECA-5C370660B589}"/>
+                <a16:creationId xmlns:a16="http://schemas.microsoft.com/office/drawing/2014/main" id="{68576727-54B5-6538-2D67-BE24FB31C0E3}"/>
               </a:ext>
             </a:extLst>
           </p:cNvPr>
@@ -1792,7 +1792,7 @@
           <p:cNvPr id="7" name="日期占位符 6">
             <a:extLst>
               <a:ext uri="{FF2B5EF4-FFF2-40B4-BE49-F238E27FC236}">
-                <a16:creationId xmlns:a16="http://schemas.microsoft.com/office/drawing/2014/main" id="{F3C5D46C-343F-E2F8-482B-83690CE52E78}"/>
+                <a16:creationId xmlns:a16="http://schemas.microsoft.com/office/drawing/2014/main" id="{E617B2AD-63E0-C971-752D-0C3D16E3D54A}"/>
               </a:ext>
             </a:extLst>
           </p:cNvPr>
@@ -1808,7 +1808,7 @@
           <a:bodyPr/>
           <a:lstStyle/>
           <a:p>
-            <a:fld id="{4AA097FF-82B4-4DC9-9BD4-9154BC162B52}" type="datetimeFigureOut">
+            <a:fld id="{BB652005-8E28-4663-A6D3-079E517F603F}" type="datetimeFigureOut">
               <a:rPr lang="zh-CN" altLang="en-US" smtClean="0"/>
               <a:t>2024/3/10</a:t>
             </a:fld>
@@ -1821,7 +1821,7 @@
           <p:cNvPr id="8" name="页脚占位符 7">
             <a:extLst>
               <a:ext uri="{FF2B5EF4-FFF2-40B4-BE49-F238E27FC236}">
-                <a16:creationId xmlns:a16="http://schemas.microsoft.com/office/drawing/2014/main" id="{87F9626A-3117-3212-FD4D-A736A66BA403}"/>
+                <a16:creationId xmlns:a16="http://schemas.microsoft.com/office/drawing/2014/main" id="{567AD6B9-E6F3-CBEA-0BBA-1AD6ACC9D1F7}"/>
               </a:ext>
             </a:extLst>
           </p:cNvPr>
@@ -1846,7 +1846,7 @@
           <p:cNvPr id="9" name="灯片编号占位符 8">
             <a:extLst>
               <a:ext uri="{FF2B5EF4-FFF2-40B4-BE49-F238E27FC236}">
-                <a16:creationId xmlns:a16="http://schemas.microsoft.com/office/drawing/2014/main" id="{31AA62AE-13A6-13AC-D2A6-AE5DD54679EE}"/>
+                <a16:creationId xmlns:a16="http://schemas.microsoft.com/office/drawing/2014/main" id="{D7B5B29E-84EE-3943-8E62-4C53A3363B68}"/>
               </a:ext>
             </a:extLst>
           </p:cNvPr>
@@ -1862,7 +1862,7 @@
           <a:bodyPr/>
           <a:lstStyle/>
           <a:p>
-            <a:fld id="{84F01B6B-0960-4A95-9870-E0E62FC1EF84}" type="slidenum">
+            <a:fld id="{C4D63772-1375-41FF-B306-691F44F3764E}" type="slidenum">
               <a:rPr lang="zh-CN" altLang="en-US" smtClean="0"/>
               <a:t>‹#›</a:t>
             </a:fld>
@@ -1873,7 +1873,7 @@
     </p:spTree>
     <p:extLst>
       <p:ext uri="{BB962C8B-B14F-4D97-AF65-F5344CB8AC3E}">
-        <p14:creationId xmlns:p14="http://schemas.microsoft.com/office/powerpoint/2010/main" val="1583565244"/>
+        <p14:creationId xmlns:p14="http://schemas.microsoft.com/office/powerpoint/2010/main" val="2757501396"/>
       </p:ext>
     </p:extLst>
   </p:cSld>
@@ -1905,7 +1905,7 @@
           <p:cNvPr id="2" name="标题 1">
             <a:extLst>
               <a:ext uri="{FF2B5EF4-FFF2-40B4-BE49-F238E27FC236}">
-                <a16:creationId xmlns:a16="http://schemas.microsoft.com/office/drawing/2014/main" id="{3555B24A-E935-7F1B-BC24-51F5803875A0}"/>
+                <a16:creationId xmlns:a16="http://schemas.microsoft.com/office/drawing/2014/main" id="{4181ADE3-D6B9-E52B-556F-3650AAAC43F7}"/>
               </a:ext>
             </a:extLst>
           </p:cNvPr>
@@ -1933,7 +1933,7 @@
           <p:cNvPr id="3" name="日期占位符 2">
             <a:extLst>
               <a:ext uri="{FF2B5EF4-FFF2-40B4-BE49-F238E27FC236}">
-                <a16:creationId xmlns:a16="http://schemas.microsoft.com/office/drawing/2014/main" id="{B2B880C5-893E-B012-28DB-CC3B6EB4BC45}"/>
+                <a16:creationId xmlns:a16="http://schemas.microsoft.com/office/drawing/2014/main" id="{C5D9205E-5562-046F-33AF-6CC074C25D42}"/>
               </a:ext>
             </a:extLst>
           </p:cNvPr>
@@ -1949,7 +1949,7 @@
           <a:bodyPr/>
           <a:lstStyle/>
           <a:p>
-            <a:fld id="{4AA097FF-82B4-4DC9-9BD4-9154BC162B52}" type="datetimeFigureOut">
+            <a:fld id="{BB652005-8E28-4663-A6D3-079E517F603F}" type="datetimeFigureOut">
               <a:rPr lang="zh-CN" altLang="en-US" smtClean="0"/>
               <a:t>2024/3/10</a:t>
             </a:fld>
@@ -1962,7 +1962,7 @@
           <p:cNvPr id="4" name="页脚占位符 3">
             <a:extLst>
               <a:ext uri="{FF2B5EF4-FFF2-40B4-BE49-F238E27FC236}">
-                <a16:creationId xmlns:a16="http://schemas.microsoft.com/office/drawing/2014/main" id="{1EBCE6FF-1FEC-1E87-F6D0-23E663851EA7}"/>
+                <a16:creationId xmlns:a16="http://schemas.microsoft.com/office/drawing/2014/main" id="{B2C4A66B-9828-6B3F-CACD-5E8942636629}"/>
               </a:ext>
             </a:extLst>
           </p:cNvPr>
@@ -1987,7 +1987,7 @@
           <p:cNvPr id="5" name="灯片编号占位符 4">
             <a:extLst>
               <a:ext uri="{FF2B5EF4-FFF2-40B4-BE49-F238E27FC236}">
-                <a16:creationId xmlns:a16="http://schemas.microsoft.com/office/drawing/2014/main" id="{40EB3397-5CBA-9D86-3BA2-977BB863CC5E}"/>
+                <a16:creationId xmlns:a16="http://schemas.microsoft.com/office/drawing/2014/main" id="{22AE1E36-9F50-889B-263E-93143B5F7DE2}"/>
               </a:ext>
             </a:extLst>
           </p:cNvPr>
@@ -2003,7 +2003,7 @@
           <a:bodyPr/>
           <a:lstStyle/>
           <a:p>
-            <a:fld id="{84F01B6B-0960-4A95-9870-E0E62FC1EF84}" type="slidenum">
+            <a:fld id="{C4D63772-1375-41FF-B306-691F44F3764E}" type="slidenum">
               <a:rPr lang="zh-CN" altLang="en-US" smtClean="0"/>
               <a:t>‹#›</a:t>
             </a:fld>
@@ -2014,7 +2014,7 @@
     </p:spTree>
     <p:extLst>
       <p:ext uri="{BB962C8B-B14F-4D97-AF65-F5344CB8AC3E}">
-        <p14:creationId xmlns:p14="http://schemas.microsoft.com/office/powerpoint/2010/main" val="855120676"/>
+        <p14:creationId xmlns:p14="http://schemas.microsoft.com/office/powerpoint/2010/main" val="4014282643"/>
       </p:ext>
     </p:extLst>
   </p:cSld>
@@ -2046,7 +2046,7 @@
           <p:cNvPr id="2" name="日期占位符 1">
             <a:extLst>
               <a:ext uri="{FF2B5EF4-FFF2-40B4-BE49-F238E27FC236}">
-                <a16:creationId xmlns:a16="http://schemas.microsoft.com/office/drawing/2014/main" id="{8B422276-B45F-C105-8708-6017B27183CD}"/>
+                <a16:creationId xmlns:a16="http://schemas.microsoft.com/office/drawing/2014/main" id="{8782F400-8359-8353-09BF-774F0D81CA13}"/>
               </a:ext>
             </a:extLst>
           </p:cNvPr>
@@ -2062,7 +2062,7 @@
           <a:bodyPr/>
           <a:lstStyle/>
           <a:p>
-            <a:fld id="{4AA097FF-82B4-4DC9-9BD4-9154BC162B52}" type="datetimeFigureOut">
+            <a:fld id="{BB652005-8E28-4663-A6D3-079E517F603F}" type="datetimeFigureOut">
               <a:rPr lang="zh-CN" altLang="en-US" smtClean="0"/>
               <a:t>2024/3/10</a:t>
             </a:fld>
@@ -2075,7 +2075,7 @@
           <p:cNvPr id="3" name="页脚占位符 2">
             <a:extLst>
               <a:ext uri="{FF2B5EF4-FFF2-40B4-BE49-F238E27FC236}">
-                <a16:creationId xmlns:a16="http://schemas.microsoft.com/office/drawing/2014/main" id="{045DD698-A07B-B0AC-C1EA-47E0A3AB13A3}"/>
+                <a16:creationId xmlns:a16="http://schemas.microsoft.com/office/drawing/2014/main" id="{CFC70FCB-AEE0-A359-7783-FB4C9BED9DFC}"/>
               </a:ext>
             </a:extLst>
           </p:cNvPr>
@@ -2100,7 +2100,7 @@
           <p:cNvPr id="4" name="灯片编号占位符 3">
             <a:extLst>
               <a:ext uri="{FF2B5EF4-FFF2-40B4-BE49-F238E27FC236}">
-                <a16:creationId xmlns:a16="http://schemas.microsoft.com/office/drawing/2014/main" id="{F3916E8B-0E4B-07CE-574A-565DDC841C4D}"/>
+                <a16:creationId xmlns:a16="http://schemas.microsoft.com/office/drawing/2014/main" id="{2D4C4F72-2638-D62D-4286-F8F71D297FF0}"/>
               </a:ext>
             </a:extLst>
           </p:cNvPr>
@@ -2116,7 +2116,7 @@
           <a:bodyPr/>
           <a:lstStyle/>
           <a:p>
-            <a:fld id="{84F01B6B-0960-4A95-9870-E0E62FC1EF84}" type="slidenum">
+            <a:fld id="{C4D63772-1375-41FF-B306-691F44F3764E}" type="slidenum">
               <a:rPr lang="zh-CN" altLang="en-US" smtClean="0"/>
               <a:t>‹#›</a:t>
             </a:fld>
@@ -2127,7 +2127,7 @@
     </p:spTree>
     <p:extLst>
       <p:ext uri="{BB962C8B-B14F-4D97-AF65-F5344CB8AC3E}">
-        <p14:creationId xmlns:p14="http://schemas.microsoft.com/office/powerpoint/2010/main" val="193173769"/>
+        <p14:creationId xmlns:p14="http://schemas.microsoft.com/office/powerpoint/2010/main" val="3374936244"/>
       </p:ext>
     </p:extLst>
   </p:cSld>
@@ -2159,7 +2159,7 @@
           <p:cNvPr id="2" name="标题 1">
             <a:extLst>
               <a:ext uri="{FF2B5EF4-FFF2-40B4-BE49-F238E27FC236}">
-                <a16:creationId xmlns:a16="http://schemas.microsoft.com/office/drawing/2014/main" id="{83C7DCED-9A92-0579-001D-1A13D8072534}"/>
+                <a16:creationId xmlns:a16="http://schemas.microsoft.com/office/drawing/2014/main" id="{ADE4ADAD-BF3A-85E7-9744-21AB9B4E2749}"/>
               </a:ext>
             </a:extLst>
           </p:cNvPr>
@@ -2196,7 +2196,7 @@
           <p:cNvPr id="3" name="内容占位符 2">
             <a:extLst>
               <a:ext uri="{FF2B5EF4-FFF2-40B4-BE49-F238E27FC236}">
-                <a16:creationId xmlns:a16="http://schemas.microsoft.com/office/drawing/2014/main" id="{23C36FCB-5CDB-0F92-BF15-E012E89C948F}"/>
+                <a16:creationId xmlns:a16="http://schemas.microsoft.com/office/drawing/2014/main" id="{6F32AC8B-7930-850C-7CF2-48D14B9F71E3}"/>
               </a:ext>
             </a:extLst>
           </p:cNvPr>
@@ -2286,7 +2286,7 @@
           <p:cNvPr id="4" name="文本占位符 3">
             <a:extLst>
               <a:ext uri="{FF2B5EF4-FFF2-40B4-BE49-F238E27FC236}">
-                <a16:creationId xmlns:a16="http://schemas.microsoft.com/office/drawing/2014/main" id="{E5C2BDA8-E583-9311-B349-7D44490FE71F}"/>
+                <a16:creationId xmlns:a16="http://schemas.microsoft.com/office/drawing/2014/main" id="{486D73BF-847C-D967-7728-95625F5F4082}"/>
               </a:ext>
             </a:extLst>
           </p:cNvPr>
@@ -2357,7 +2357,7 @@
           <p:cNvPr id="5" name="日期占位符 4">
             <a:extLst>
               <a:ext uri="{FF2B5EF4-FFF2-40B4-BE49-F238E27FC236}">
-                <a16:creationId xmlns:a16="http://schemas.microsoft.com/office/drawing/2014/main" id="{94A97F21-AC45-2FA0-25CC-79A841813C6F}"/>
+                <a16:creationId xmlns:a16="http://schemas.microsoft.com/office/drawing/2014/main" id="{1BBC9054-DC49-3A02-AF9B-CA553A704BE6}"/>
               </a:ext>
             </a:extLst>
           </p:cNvPr>
@@ -2373,7 +2373,7 @@
           <a:bodyPr/>
           <a:lstStyle/>
           <a:p>
-            <a:fld id="{4AA097FF-82B4-4DC9-9BD4-9154BC162B52}" type="datetimeFigureOut">
+            <a:fld id="{BB652005-8E28-4663-A6D3-079E517F603F}" type="datetimeFigureOut">
               <a:rPr lang="zh-CN" altLang="en-US" smtClean="0"/>
               <a:t>2024/3/10</a:t>
             </a:fld>
@@ -2386,7 +2386,7 @@
           <p:cNvPr id="6" name="页脚占位符 5">
             <a:extLst>
               <a:ext uri="{FF2B5EF4-FFF2-40B4-BE49-F238E27FC236}">
-                <a16:creationId xmlns:a16="http://schemas.microsoft.com/office/drawing/2014/main" id="{C119B2D0-3561-E982-4A47-D2440B81A647}"/>
+                <a16:creationId xmlns:a16="http://schemas.microsoft.com/office/drawing/2014/main" id="{39984587-9D53-0B69-B9B4-66512DC28725}"/>
               </a:ext>
             </a:extLst>
           </p:cNvPr>
@@ -2411,7 +2411,7 @@
           <p:cNvPr id="7" name="灯片编号占位符 6">
             <a:extLst>
               <a:ext uri="{FF2B5EF4-FFF2-40B4-BE49-F238E27FC236}">
-                <a16:creationId xmlns:a16="http://schemas.microsoft.com/office/drawing/2014/main" id="{072084A1-106B-49B4-9C60-DE824FB3FC75}"/>
+                <a16:creationId xmlns:a16="http://schemas.microsoft.com/office/drawing/2014/main" id="{FF2F2190-2903-6822-9591-325BF3070102}"/>
               </a:ext>
             </a:extLst>
           </p:cNvPr>
@@ -2427,7 +2427,7 @@
           <a:bodyPr/>
           <a:lstStyle/>
           <a:p>
-            <a:fld id="{84F01B6B-0960-4A95-9870-E0E62FC1EF84}" type="slidenum">
+            <a:fld id="{C4D63772-1375-41FF-B306-691F44F3764E}" type="slidenum">
               <a:rPr lang="zh-CN" altLang="en-US" smtClean="0"/>
               <a:t>‹#›</a:t>
             </a:fld>
@@ -2438,7 +2438,7 @@
     </p:spTree>
     <p:extLst>
       <p:ext uri="{BB962C8B-B14F-4D97-AF65-F5344CB8AC3E}">
-        <p14:creationId xmlns:p14="http://schemas.microsoft.com/office/powerpoint/2010/main" val="853884181"/>
+        <p14:creationId xmlns:p14="http://schemas.microsoft.com/office/powerpoint/2010/main" val="3014191903"/>
       </p:ext>
     </p:extLst>
   </p:cSld>
@@ -2470,7 +2470,7 @@
           <p:cNvPr id="2" name="标题 1">
             <a:extLst>
               <a:ext uri="{FF2B5EF4-FFF2-40B4-BE49-F238E27FC236}">
-                <a16:creationId xmlns:a16="http://schemas.microsoft.com/office/drawing/2014/main" id="{0F4012E8-29D3-1F85-72F2-F7AFA544498A}"/>
+                <a16:creationId xmlns:a16="http://schemas.microsoft.com/office/drawing/2014/main" id="{0D249458-F0A5-1A08-E3A6-DFFD3AF127DF}"/>
               </a:ext>
             </a:extLst>
           </p:cNvPr>
@@ -2507,7 +2507,7 @@
           <p:cNvPr id="3" name="图片占位符 2">
             <a:extLst>
               <a:ext uri="{FF2B5EF4-FFF2-40B4-BE49-F238E27FC236}">
-                <a16:creationId xmlns:a16="http://schemas.microsoft.com/office/drawing/2014/main" id="{45CDF0E6-99E0-9789-0E2E-161C4B6A1663}"/>
+                <a16:creationId xmlns:a16="http://schemas.microsoft.com/office/drawing/2014/main" id="{9DD35BC7-129B-B2E4-8D46-5D7C70563401}"/>
               </a:ext>
             </a:extLst>
           </p:cNvPr>
@@ -2574,7 +2574,7 @@
           <p:cNvPr id="4" name="文本占位符 3">
             <a:extLst>
               <a:ext uri="{FF2B5EF4-FFF2-40B4-BE49-F238E27FC236}">
-                <a16:creationId xmlns:a16="http://schemas.microsoft.com/office/drawing/2014/main" id="{507893CC-E592-E661-6CF0-D0F597A30E60}"/>
+                <a16:creationId xmlns:a16="http://schemas.microsoft.com/office/drawing/2014/main" id="{EAA131E1-3385-8399-F4F8-0545E16D6D09}"/>
               </a:ext>
             </a:extLst>
           </p:cNvPr>
@@ -2645,7 +2645,7 @@
           <p:cNvPr id="5" name="日期占位符 4">
             <a:extLst>
               <a:ext uri="{FF2B5EF4-FFF2-40B4-BE49-F238E27FC236}">
-                <a16:creationId xmlns:a16="http://schemas.microsoft.com/office/drawing/2014/main" id="{080B1B7F-FD01-F1F1-E3DD-1F3873EB24F9}"/>
+                <a16:creationId xmlns:a16="http://schemas.microsoft.com/office/drawing/2014/main" id="{026211FE-A901-6EE8-26A4-0703E2420E66}"/>
               </a:ext>
             </a:extLst>
           </p:cNvPr>
@@ -2661,7 +2661,7 @@
           <a:bodyPr/>
           <a:lstStyle/>
           <a:p>
-            <a:fld id="{4AA097FF-82B4-4DC9-9BD4-9154BC162B52}" type="datetimeFigureOut">
+            <a:fld id="{BB652005-8E28-4663-A6D3-079E517F603F}" type="datetimeFigureOut">
               <a:rPr lang="zh-CN" altLang="en-US" smtClean="0"/>
               <a:t>2024/3/10</a:t>
             </a:fld>
@@ -2674,7 +2674,7 @@
           <p:cNvPr id="6" name="页脚占位符 5">
             <a:extLst>
               <a:ext uri="{FF2B5EF4-FFF2-40B4-BE49-F238E27FC236}">
-                <a16:creationId xmlns:a16="http://schemas.microsoft.com/office/drawing/2014/main" id="{68005221-66DA-4D2E-1484-70C2AA2054D0}"/>
+                <a16:creationId xmlns:a16="http://schemas.microsoft.com/office/drawing/2014/main" id="{CA13800A-4916-3B57-3B4C-576F91CC1C87}"/>
               </a:ext>
             </a:extLst>
           </p:cNvPr>
@@ -2699,7 +2699,7 @@
           <p:cNvPr id="7" name="灯片编号占位符 6">
             <a:extLst>
               <a:ext uri="{FF2B5EF4-FFF2-40B4-BE49-F238E27FC236}">
-                <a16:creationId xmlns:a16="http://schemas.microsoft.com/office/drawing/2014/main" id="{B0484F03-D100-3E8A-4E77-BAEABD156A4E}"/>
+                <a16:creationId xmlns:a16="http://schemas.microsoft.com/office/drawing/2014/main" id="{B7FBAD3C-5656-DE2F-FD5E-46562645D327}"/>
               </a:ext>
             </a:extLst>
           </p:cNvPr>
@@ -2715,7 +2715,7 @@
           <a:bodyPr/>
           <a:lstStyle/>
           <a:p>
-            <a:fld id="{84F01B6B-0960-4A95-9870-E0E62FC1EF84}" type="slidenum">
+            <a:fld id="{C4D63772-1375-41FF-B306-691F44F3764E}" type="slidenum">
               <a:rPr lang="zh-CN" altLang="en-US" smtClean="0"/>
               <a:t>‹#›</a:t>
             </a:fld>
@@ -2726,7 +2726,7 @@
     </p:spTree>
     <p:extLst>
       <p:ext uri="{BB962C8B-B14F-4D97-AF65-F5344CB8AC3E}">
-        <p14:creationId xmlns:p14="http://schemas.microsoft.com/office/powerpoint/2010/main" val="1519149476"/>
+        <p14:creationId xmlns:p14="http://schemas.microsoft.com/office/powerpoint/2010/main" val="3015107185"/>
       </p:ext>
     </p:extLst>
   </p:cSld>
@@ -2763,7 +2763,7 @@
           <p:cNvPr id="2" name="标题占位符 1">
             <a:extLst>
               <a:ext uri="{FF2B5EF4-FFF2-40B4-BE49-F238E27FC236}">
-                <a16:creationId xmlns:a16="http://schemas.microsoft.com/office/drawing/2014/main" id="{EE146368-5AC0-F3ED-6C76-45601C5F060A}"/>
+                <a16:creationId xmlns:a16="http://schemas.microsoft.com/office/drawing/2014/main" id="{61EE3A65-F790-D030-2082-2AAB8B9C0D34}"/>
               </a:ext>
             </a:extLst>
           </p:cNvPr>
@@ -2801,7 +2801,7 @@
           <p:cNvPr id="3" name="文本占位符 2">
             <a:extLst>
               <a:ext uri="{FF2B5EF4-FFF2-40B4-BE49-F238E27FC236}">
-                <a16:creationId xmlns:a16="http://schemas.microsoft.com/office/drawing/2014/main" id="{769D2E00-7F9A-95E8-6E5C-D5F6BED6F91D}"/>
+                <a16:creationId xmlns:a16="http://schemas.microsoft.com/office/drawing/2014/main" id="{7ED6EB7A-07CE-1DFC-6905-F901E75F12B9}"/>
               </a:ext>
             </a:extLst>
           </p:cNvPr>
@@ -2868,7 +2868,7 @@
           <p:cNvPr id="4" name="日期占位符 3">
             <a:extLst>
               <a:ext uri="{FF2B5EF4-FFF2-40B4-BE49-F238E27FC236}">
-                <a16:creationId xmlns:a16="http://schemas.microsoft.com/office/drawing/2014/main" id="{FD7A7607-FC9C-4B62-58EF-5BC73D71FD88}"/>
+                <a16:creationId xmlns:a16="http://schemas.microsoft.com/office/drawing/2014/main" id="{D4F09E36-4607-14AD-1CCC-04B8EA00EBA7}"/>
               </a:ext>
             </a:extLst>
           </p:cNvPr>
@@ -2902,7 +2902,7 @@
             </a:lvl1pPr>
           </a:lstStyle>
           <a:p>
-            <a:fld id="{4AA097FF-82B4-4DC9-9BD4-9154BC162B52}" type="datetimeFigureOut">
+            <a:fld id="{BB652005-8E28-4663-A6D3-079E517F603F}" type="datetimeFigureOut">
               <a:rPr lang="zh-CN" altLang="en-US" smtClean="0"/>
               <a:t>2024/3/10</a:t>
             </a:fld>
@@ -2915,7 +2915,7 @@
           <p:cNvPr id="5" name="页脚占位符 4">
             <a:extLst>
               <a:ext uri="{FF2B5EF4-FFF2-40B4-BE49-F238E27FC236}">
-                <a16:creationId xmlns:a16="http://schemas.microsoft.com/office/drawing/2014/main" id="{C0E99952-317B-C21B-D7F5-D318B3CD0141}"/>
+                <a16:creationId xmlns:a16="http://schemas.microsoft.com/office/drawing/2014/main" id="{FF751AAA-3DBC-5A6F-559D-AF5E23F6388A}"/>
               </a:ext>
             </a:extLst>
           </p:cNvPr>
@@ -2958,7 +2958,7 @@
           <p:cNvPr id="6" name="灯片编号占位符 5">
             <a:extLst>
               <a:ext uri="{FF2B5EF4-FFF2-40B4-BE49-F238E27FC236}">
-                <a16:creationId xmlns:a16="http://schemas.microsoft.com/office/drawing/2014/main" id="{A64E279F-F923-D80E-021C-06913285CF32}"/>
+                <a16:creationId xmlns:a16="http://schemas.microsoft.com/office/drawing/2014/main" id="{00765348-F058-9555-7B48-A877DB806AE6}"/>
               </a:ext>
             </a:extLst>
           </p:cNvPr>
@@ -2992,7 +2992,7 @@
             </a:lvl1pPr>
           </a:lstStyle>
           <a:p>
-            <a:fld id="{84F01B6B-0960-4A95-9870-E0E62FC1EF84}" type="slidenum">
+            <a:fld id="{C4D63772-1375-41FF-B306-691F44F3764E}" type="slidenum">
               <a:rPr lang="zh-CN" altLang="en-US" smtClean="0"/>
               <a:t>‹#›</a:t>
             </a:fld>
@@ -3003,7 +3003,7 @@
     </p:spTree>
     <p:extLst>
       <p:ext uri="{BB962C8B-B14F-4D97-AF65-F5344CB8AC3E}">
-        <p14:creationId xmlns:p14="http://schemas.microsoft.com/office/powerpoint/2010/main" val="2336109387"/>
+        <p14:creationId xmlns:p14="http://schemas.microsoft.com/office/powerpoint/2010/main" val="652697481"/>
       </p:ext>
     </p:extLst>
   </p:cSld>
